--- a/lukeVRCModels/analysis.pptx
+++ b/lukeVRCModels/analysis.pptx
@@ -7,6 +7,8 @@
   <p:sldIdLst>
     <p:sldId id="256" r:id="rId2"/>
     <p:sldId id="257" r:id="rId3"/>
+    <p:sldId id="258" r:id="rId4"/>
+    <p:sldId id="259" r:id="rId5"/>
   </p:sldIdLst>
   <p:sldSz cx="12192000" cy="6858000"/>
   <p:notesSz cx="6858000" cy="9144000"/>
@@ -105,6 +107,11 @@
       </a:defRPr>
     </a:lvl9pPr>
   </p:defaultTextStyle>
+  <p:extLst>
+    <p:ext uri="{EFAFB233-063F-42B5-8137-9DF3F51BA10A}">
+      <p15:sldGuideLst xmlns:p15="http://schemas.microsoft.com/office/powerpoint/2012/main"/>
+    </p:ext>
+  </p:extLst>
 </p:presentation>
 </file>
 
@@ -3544,12 +3551,83 @@
           <a:chExt cx="0" cy="0"/>
         </a:xfrm>
       </p:grpSpPr>
+      <p:sp>
+        <p:nvSpPr>
+          <p:cNvPr id="5" name="TextBox 4">
+            <a:extLst>
+              <a:ext uri="{FF2B5EF4-FFF2-40B4-BE49-F238E27FC236}">
+                <a16:creationId xmlns:a16="http://schemas.microsoft.com/office/drawing/2014/main" id="{F4048EB4-BFCE-471A-856C-412B492E65FE}"/>
+              </a:ext>
+            </a:extLst>
+          </p:cNvPr>
+          <p:cNvSpPr txBox="1"/>
+          <p:nvPr/>
+        </p:nvSpPr>
+        <p:spPr>
+          <a:xfrm>
+            <a:off x="1045029" y="625151"/>
+            <a:ext cx="1129004" cy="382555"/>
+          </a:xfrm>
+          <a:prstGeom prst="rect">
+            <a:avLst/>
+          </a:prstGeom>
+          <a:noFill/>
+        </p:spPr>
+        <p:txBody>
+          <a:bodyPr wrap="square" rtlCol="0">
+            <a:spAutoFit/>
+          </a:bodyPr>
+          <a:lstStyle/>
+          <a:p>
+            <a:r>
+              <a:rPr lang="en-US" dirty="0" err="1"/>
+              <a:t>blc</a:t>
+            </a:r>
+            <a:endParaRPr lang="en-US" dirty="0"/>
+          </a:p>
+        </p:txBody>
+      </p:sp>
+      <p:sp>
+        <p:nvSpPr>
+          <p:cNvPr id="6" name="TextBox 5">
+            <a:extLst>
+              <a:ext uri="{FF2B5EF4-FFF2-40B4-BE49-F238E27FC236}">
+                <a16:creationId xmlns:a16="http://schemas.microsoft.com/office/drawing/2014/main" id="{3138BC5E-F51E-423C-9358-F4A7B1CBC1CA}"/>
+              </a:ext>
+            </a:extLst>
+          </p:cNvPr>
+          <p:cNvSpPr txBox="1"/>
+          <p:nvPr/>
+        </p:nvSpPr>
+        <p:spPr>
+          <a:xfrm>
+            <a:off x="6475445" y="625151"/>
+            <a:ext cx="1698171" cy="382555"/>
+          </a:xfrm>
+          <a:prstGeom prst="rect">
+            <a:avLst/>
+          </a:prstGeom>
+          <a:noFill/>
+        </p:spPr>
+        <p:txBody>
+          <a:bodyPr wrap="square" rtlCol="0">
+            <a:spAutoFit/>
+          </a:bodyPr>
+          <a:lstStyle/>
+          <a:p>
+            <a:r>
+              <a:rPr lang="en-US" dirty="0"/>
+              <a:t>t.dat</a:t>
+            </a:r>
+          </a:p>
+        </p:txBody>
+      </p:sp>
       <p:pic>
         <p:nvPicPr>
-          <p:cNvPr id="3" name="Picture 2">
-            <a:extLst>
-              <a:ext uri="{FF2B5EF4-FFF2-40B4-BE49-F238E27FC236}">
-                <a16:creationId xmlns:a16="http://schemas.microsoft.com/office/drawing/2014/main" id="{2EC63750-6EC7-49CB-A147-B207883A1A29}"/>
+          <p:cNvPr id="10" name="Picture 9">
+            <a:extLst>
+              <a:ext uri="{FF2B5EF4-FFF2-40B4-BE49-F238E27FC236}">
+                <a16:creationId xmlns:a16="http://schemas.microsoft.com/office/drawing/2014/main" id="{D7B29494-BF5B-42D0-BDAC-179F91280509}"/>
               </a:ext>
             </a:extLst>
           </p:cNvPr>
@@ -3566,8 +3644,38 @@
         </p:blipFill>
         <p:spPr>
           <a:xfrm>
-            <a:off x="171450" y="294788"/>
-            <a:ext cx="3619500" cy="2200275"/>
+            <a:off x="6183280" y="1281112"/>
+            <a:ext cx="4248150" cy="5210175"/>
+          </a:xfrm>
+          <a:prstGeom prst="rect">
+            <a:avLst/>
+          </a:prstGeom>
+        </p:spPr>
+      </p:pic>
+      <p:pic>
+        <p:nvPicPr>
+          <p:cNvPr id="12" name="Picture 11">
+            <a:extLst>
+              <a:ext uri="{FF2B5EF4-FFF2-40B4-BE49-F238E27FC236}">
+                <a16:creationId xmlns:a16="http://schemas.microsoft.com/office/drawing/2014/main" id="{9B8B68B7-2E52-412C-A3FA-43A7E1C5A8B5}"/>
+              </a:ext>
+            </a:extLst>
+          </p:cNvPr>
+          <p:cNvPicPr>
+            <a:picLocks noChangeAspect="1"/>
+          </p:cNvPicPr>
+          <p:nvPr/>
+        </p:nvPicPr>
+        <p:blipFill>
+          <a:blip r:embed="rId3"/>
+          <a:stretch>
+            <a:fillRect/>
+          </a:stretch>
+        </p:blipFill>
+        <p:spPr>
+          <a:xfrm>
+            <a:off x="262909" y="1136002"/>
+            <a:ext cx="4257675" cy="5257800"/>
           </a:xfrm>
           <a:prstGeom prst="rect">
             <a:avLst/>
@@ -3578,6 +3686,278 @@
     <p:extLst>
       <p:ext uri="{BB962C8B-B14F-4D97-AF65-F5344CB8AC3E}">
         <p14:creationId xmlns:p14="http://schemas.microsoft.com/office/powerpoint/2010/main" val="3211232795"/>
+      </p:ext>
+    </p:extLst>
+  </p:cSld>
+  <p:clrMapOvr>
+    <a:masterClrMapping/>
+  </p:clrMapOvr>
+</p:sld>
+</file>
+
+<file path=ppt/slides/slide3.xml><?xml version="1.0" encoding="utf-8"?>
+<p:sld xmlns:a="http://schemas.openxmlformats.org/drawingml/2006/main" xmlns:r="http://schemas.openxmlformats.org/officeDocument/2006/relationships" xmlns:p="http://schemas.openxmlformats.org/presentationml/2006/main">
+  <p:cSld>
+    <p:spTree>
+      <p:nvGrpSpPr>
+        <p:cNvPr id="1" name=""/>
+        <p:cNvGrpSpPr/>
+        <p:nvPr/>
+      </p:nvGrpSpPr>
+      <p:grpSpPr>
+        <a:xfrm>
+          <a:off x="0" y="0"/>
+          <a:ext cx="0" cy="0"/>
+          <a:chOff x="0" y="0"/>
+          <a:chExt cx="0" cy="0"/>
+        </a:xfrm>
+      </p:grpSpPr>
+      <p:sp>
+        <p:nvSpPr>
+          <p:cNvPr id="2" name="TextBox 1">
+            <a:extLst>
+              <a:ext uri="{FF2B5EF4-FFF2-40B4-BE49-F238E27FC236}">
+                <a16:creationId xmlns:a16="http://schemas.microsoft.com/office/drawing/2014/main" id="{6003374F-1326-466C-B8F7-A5346E62B27A}"/>
+              </a:ext>
+            </a:extLst>
+          </p:cNvPr>
+          <p:cNvSpPr txBox="1"/>
+          <p:nvPr/>
+        </p:nvSpPr>
+        <p:spPr>
+          <a:xfrm>
+            <a:off x="410547" y="326571"/>
+            <a:ext cx="1622047" cy="646331"/>
+          </a:xfrm>
+          <a:prstGeom prst="rect">
+            <a:avLst/>
+          </a:prstGeom>
+          <a:noFill/>
+        </p:spPr>
+        <p:txBody>
+          <a:bodyPr wrap="none" rtlCol="0">
+            <a:spAutoFit/>
+          </a:bodyPr>
+          <a:lstStyle/>
+          <a:p>
+            <a:r>
+              <a:rPr lang="en-US" dirty="0" err="1"/>
+              <a:t>t.Dat</a:t>
+            </a:r>
+            <a:r>
+              <a:rPr lang="en-US" dirty="0"/>
+              <a:t> </a:t>
+            </a:r>
+            <a:r>
+              <a:rPr lang="en-US" dirty="0" err="1"/>
+              <a:t>blc</a:t>
+            </a:r>
+            <a:r>
+              <a:rPr lang="en-US" dirty="0"/>
+              <a:t> model</a:t>
+            </a:r>
+          </a:p>
+          <a:p>
+            <a:endParaRPr lang="en-US" dirty="0"/>
+          </a:p>
+        </p:txBody>
+      </p:sp>
+      <p:sp>
+        <p:nvSpPr>
+          <p:cNvPr id="3" name="TextBox 2">
+            <a:extLst>
+              <a:ext uri="{FF2B5EF4-FFF2-40B4-BE49-F238E27FC236}">
+                <a16:creationId xmlns:a16="http://schemas.microsoft.com/office/drawing/2014/main" id="{1EB37CD7-F9A8-46E5-9862-35912CC49C0C}"/>
+              </a:ext>
+            </a:extLst>
+          </p:cNvPr>
+          <p:cNvSpPr txBox="1"/>
+          <p:nvPr/>
+        </p:nvSpPr>
+        <p:spPr>
+          <a:xfrm>
+            <a:off x="575193" y="925145"/>
+            <a:ext cx="647421" cy="369332"/>
+          </a:xfrm>
+          <a:prstGeom prst="rect">
+            <a:avLst/>
+          </a:prstGeom>
+          <a:noFill/>
+        </p:spPr>
+        <p:txBody>
+          <a:bodyPr wrap="none" rtlCol="0">
+            <a:spAutoFit/>
+          </a:bodyPr>
+          <a:lstStyle/>
+          <a:p>
+            <a:r>
+              <a:rPr lang="en-US" dirty="0" err="1"/>
+              <a:t>t.Dat</a:t>
+            </a:r>
+            <a:endParaRPr lang="en-US" dirty="0"/>
+          </a:p>
+        </p:txBody>
+      </p:sp>
+      <p:pic>
+        <p:nvPicPr>
+          <p:cNvPr id="5" name="Picture 4">
+            <a:extLst>
+              <a:ext uri="{FF2B5EF4-FFF2-40B4-BE49-F238E27FC236}">
+                <a16:creationId xmlns:a16="http://schemas.microsoft.com/office/drawing/2014/main" id="{112EE433-1FEE-4F70-ABDB-B4B21DBA4637}"/>
+              </a:ext>
+            </a:extLst>
+          </p:cNvPr>
+          <p:cNvPicPr>
+            <a:picLocks noChangeAspect="1"/>
+          </p:cNvPicPr>
+          <p:nvPr/>
+        </p:nvPicPr>
+        <p:blipFill>
+          <a:blip r:embed="rId2"/>
+          <a:stretch>
+            <a:fillRect/>
+          </a:stretch>
+        </p:blipFill>
+        <p:spPr>
+          <a:xfrm>
+            <a:off x="410547" y="1429441"/>
+            <a:ext cx="4286250" cy="5257800"/>
+          </a:xfrm>
+          <a:prstGeom prst="rect">
+            <a:avLst/>
+          </a:prstGeom>
+        </p:spPr>
+      </p:pic>
+      <p:sp>
+        <p:nvSpPr>
+          <p:cNvPr id="6" name="TextBox 5">
+            <a:extLst>
+              <a:ext uri="{FF2B5EF4-FFF2-40B4-BE49-F238E27FC236}">
+                <a16:creationId xmlns:a16="http://schemas.microsoft.com/office/drawing/2014/main" id="{0E5568D8-80F9-429C-8E62-E6957BBF4750}"/>
+              </a:ext>
+            </a:extLst>
+          </p:cNvPr>
+          <p:cNvSpPr txBox="1"/>
+          <p:nvPr/>
+        </p:nvSpPr>
+        <p:spPr>
+          <a:xfrm>
+            <a:off x="7399176" y="1315616"/>
+            <a:ext cx="460382" cy="369332"/>
+          </a:xfrm>
+          <a:prstGeom prst="rect">
+            <a:avLst/>
+          </a:prstGeom>
+          <a:noFill/>
+        </p:spPr>
+        <p:txBody>
+          <a:bodyPr wrap="none" rtlCol="0">
+            <a:spAutoFit/>
+          </a:bodyPr>
+          <a:lstStyle/>
+          <a:p>
+            <a:r>
+              <a:rPr lang="en-US" dirty="0" err="1"/>
+              <a:t>Blc</a:t>
+            </a:r>
+            <a:endParaRPr lang="en-US" dirty="0"/>
+          </a:p>
+        </p:txBody>
+      </p:sp>
+      <p:pic>
+        <p:nvPicPr>
+          <p:cNvPr id="8" name="Picture 7">
+            <a:extLst>
+              <a:ext uri="{FF2B5EF4-FFF2-40B4-BE49-F238E27FC236}">
+                <a16:creationId xmlns:a16="http://schemas.microsoft.com/office/drawing/2014/main" id="{FBCC508A-C04A-4CE0-8517-7C8BB3A304C7}"/>
+              </a:ext>
+            </a:extLst>
+          </p:cNvPr>
+          <p:cNvPicPr>
+            <a:picLocks noChangeAspect="1"/>
+          </p:cNvPicPr>
+          <p:nvPr/>
+        </p:nvPicPr>
+        <p:blipFill>
+          <a:blip r:embed="rId3"/>
+          <a:stretch>
+            <a:fillRect/>
+          </a:stretch>
+        </p:blipFill>
+        <p:spPr>
+          <a:xfrm>
+            <a:off x="6812416" y="1684948"/>
+            <a:ext cx="4141723" cy="5120011"/>
+          </a:xfrm>
+          <a:prstGeom prst="rect">
+            <a:avLst/>
+          </a:prstGeom>
+        </p:spPr>
+      </p:pic>
+    </p:spTree>
+    <p:extLst>
+      <p:ext uri="{BB962C8B-B14F-4D97-AF65-F5344CB8AC3E}">
+        <p14:creationId xmlns:p14="http://schemas.microsoft.com/office/powerpoint/2010/main" val="3509228802"/>
+      </p:ext>
+    </p:extLst>
+  </p:cSld>
+  <p:clrMapOvr>
+    <a:masterClrMapping/>
+  </p:clrMapOvr>
+</p:sld>
+</file>
+
+<file path=ppt/slides/slide4.xml><?xml version="1.0" encoding="utf-8"?>
+<p:sld xmlns:a="http://schemas.openxmlformats.org/drawingml/2006/main" xmlns:r="http://schemas.openxmlformats.org/officeDocument/2006/relationships" xmlns:p="http://schemas.openxmlformats.org/presentationml/2006/main">
+  <p:cSld>
+    <p:spTree>
+      <p:nvGrpSpPr>
+        <p:cNvPr id="1" name=""/>
+        <p:cNvGrpSpPr/>
+        <p:nvPr/>
+      </p:nvGrpSpPr>
+      <p:grpSpPr>
+        <a:xfrm>
+          <a:off x="0" y="0"/>
+          <a:ext cx="0" cy="0"/>
+          <a:chOff x="0" y="0"/>
+          <a:chExt cx="0" cy="0"/>
+        </a:xfrm>
+      </p:grpSpPr>
+      <p:pic>
+        <p:nvPicPr>
+          <p:cNvPr id="3" name="Picture 2">
+            <a:extLst>
+              <a:ext uri="{FF2B5EF4-FFF2-40B4-BE49-F238E27FC236}">
+                <a16:creationId xmlns:a16="http://schemas.microsoft.com/office/drawing/2014/main" id="{B255364C-525D-4B6F-B753-A5D8015508D8}"/>
+              </a:ext>
+            </a:extLst>
+          </p:cNvPr>
+          <p:cNvPicPr>
+            <a:picLocks noChangeAspect="1"/>
+          </p:cNvPicPr>
+          <p:nvPr/>
+        </p:nvPicPr>
+        <p:blipFill>
+          <a:blip r:embed="rId2"/>
+          <a:stretch>
+            <a:fillRect/>
+          </a:stretch>
+        </p:blipFill>
+        <p:spPr>
+          <a:xfrm>
+            <a:off x="1114230" y="1003819"/>
+            <a:ext cx="7239000" cy="3581400"/>
+          </a:xfrm>
+          <a:prstGeom prst="rect">
+            <a:avLst/>
+          </a:prstGeom>
+        </p:spPr>
+      </p:pic>
+    </p:spTree>
+    <p:extLst>
+      <p:ext uri="{BB962C8B-B14F-4D97-AF65-F5344CB8AC3E}">
+        <p14:creationId xmlns:p14="http://schemas.microsoft.com/office/powerpoint/2010/main" val="3939962383"/>
       </p:ext>
     </p:extLst>
   </p:cSld>
